--- a/PPT_Vorlage.pptx
+++ b/PPT_Vorlage.pptx
@@ -215,7 +215,7 @@
           <a:p>
             <a:fld id="{02EC685C-C776-4949-A6C2-086825FE25B4}" type="datetimeFigureOut">
               <a:rPr lang="de-DE" smtClean="0"/>
-              <a:t>24.04.23</a:t>
+              <a:t>01.05.23</a:t>
             </a:fld>
             <a:endParaRPr lang="de-DE"/>
           </a:p>
@@ -2200,7 +2200,7 @@
           <a:p>
             <a:fld id="{7B78D1BC-A812-804B-B4E5-AEF360FF5955}" type="datetime1">
               <a:rPr lang="de-DE" smtClean="0"/>
-              <a:t>24.04.23</a:t>
+              <a:t>01.05.23</a:t>
             </a:fld>
             <a:endParaRPr lang="de-DE"/>
           </a:p>
@@ -2373,7 +2373,7 @@
           <a:p>
             <a:fld id="{0798437B-6012-FA45-A885-2F6CCA69DECE}" type="datetime1">
               <a:rPr lang="de-DE" smtClean="0"/>
-              <a:t>24.04.23</a:t>
+              <a:t>01.05.23</a:t>
             </a:fld>
             <a:endParaRPr lang="de-DE"/>
           </a:p>
@@ -2556,7 +2556,7 @@
           <a:p>
             <a:fld id="{42446530-F1AE-604F-BD7E-FD444EA03863}" type="datetime1">
               <a:rPr lang="de-DE" smtClean="0"/>
-              <a:t>24.04.23</a:t>
+              <a:t>01.05.23</a:t>
             </a:fld>
             <a:endParaRPr lang="de-DE"/>
           </a:p>
@@ -2729,7 +2729,7 @@
           <a:p>
             <a:fld id="{2EF89D69-C0B6-1E4B-BC78-7904C96D0374}" type="datetime1">
               <a:rPr lang="de-DE" smtClean="0"/>
-              <a:t>24.04.23</a:t>
+              <a:t>01.05.23</a:t>
             </a:fld>
             <a:endParaRPr lang="de-DE"/>
           </a:p>
@@ -3007,7 +3007,7 @@
           <a:p>
             <a:fld id="{8FB6E523-E79B-144F-8154-36C2504F6F31}" type="datetime1">
               <a:rPr lang="de-DE" smtClean="0"/>
-              <a:t>24.04.23</a:t>
+              <a:t>01.05.23</a:t>
             </a:fld>
             <a:endParaRPr lang="de-DE"/>
           </a:p>
@@ -3222,7 +3222,7 @@
           <a:p>
             <a:fld id="{21E08736-D167-FE46-A8BA-9F24B778C71B}" type="datetime1">
               <a:rPr lang="de-DE" smtClean="0"/>
-              <a:t>24.04.23</a:t>
+              <a:t>01.05.23</a:t>
             </a:fld>
             <a:endParaRPr lang="de-DE"/>
           </a:p>
@@ -3590,7 +3590,7 @@
           <a:p>
             <a:fld id="{EC9B32DA-D152-9B40-8FE6-CD0413803C74}" type="datetime1">
               <a:rPr lang="de-DE" smtClean="0"/>
-              <a:t>24.04.23</a:t>
+              <a:t>01.05.23</a:t>
             </a:fld>
             <a:endParaRPr lang="de-DE"/>
           </a:p>
@@ -3731,7 +3731,7 @@
           <a:p>
             <a:fld id="{ACE05696-88C7-0C4E-9C76-51582ADDF3F9}" type="datetime1">
               <a:rPr lang="de-DE" smtClean="0"/>
-              <a:t>24.04.23</a:t>
+              <a:t>01.05.23</a:t>
             </a:fld>
             <a:endParaRPr lang="de-DE"/>
           </a:p>
@@ -3844,7 +3844,7 @@
           <a:p>
             <a:fld id="{0A9F5919-C214-6B41-8742-015B6F7B4E8C}" type="datetime1">
               <a:rPr lang="de-DE" smtClean="0"/>
-              <a:t>24.04.23</a:t>
+              <a:t>01.05.23</a:t>
             </a:fld>
             <a:endParaRPr lang="de-DE"/>
           </a:p>
@@ -4133,7 +4133,7 @@
           <a:p>
             <a:fld id="{6FC9AC08-9963-BA4D-AE42-16624411A8C0}" type="datetime1">
               <a:rPr lang="de-DE" smtClean="0"/>
-              <a:t>24.04.23</a:t>
+              <a:t>01.05.23</a:t>
             </a:fld>
             <a:endParaRPr lang="de-DE"/>
           </a:p>
@@ -4424,7 +4424,7 @@
           <a:p>
             <a:fld id="{9E4A45EB-1DFA-DC4C-BD3A-6B380B59F07B}" type="datetime1">
               <a:rPr lang="de-DE" smtClean="0"/>
-              <a:t>24.04.23</a:t>
+              <a:t>01.05.23</a:t>
             </a:fld>
             <a:endParaRPr lang="de-DE"/>
           </a:p>
@@ -4640,7 +4640,7 @@
           <a:p>
             <a:fld id="{E029B19E-B198-FB4C-A790-60F6347C94F0}" type="datetime1">
               <a:rPr lang="de-DE" smtClean="0"/>
-              <a:t>24.04.23</a:t>
+              <a:t>01.05.23</a:t>
             </a:fld>
             <a:endParaRPr lang="de-DE"/>
           </a:p>
@@ -12249,8 +12249,8 @@
         </p:nvSpPr>
         <p:spPr>
           <a:xfrm>
-            <a:off x="9689498" y="3588009"/>
-            <a:ext cx="1375150" cy="369332"/>
+            <a:off x="9751283" y="3303802"/>
+            <a:ext cx="1375150" cy="646331"/>
           </a:xfrm>
           <a:prstGeom prst="rect">
             <a:avLst/>
@@ -12266,7 +12266,7 @@
             <a:pPr algn="ctr"/>
             <a:r>
               <a:rPr lang="de-DE" dirty="0"/>
-              <a:t>signifikant</a:t>
+              <a:t>nicht signifikant</a:t>
             </a:r>
           </a:p>
         </p:txBody>
@@ -12285,8 +12285,8 @@
         </p:nvSpPr>
         <p:spPr>
           <a:xfrm>
-            <a:off x="10029977" y="4829101"/>
-            <a:ext cx="1375150" cy="646331"/>
+            <a:off x="10029977" y="5100955"/>
+            <a:ext cx="1375150" cy="369332"/>
           </a:xfrm>
           <a:prstGeom prst="rect">
             <a:avLst/>
@@ -12302,7 +12302,7 @@
             <a:pPr algn="ctr"/>
             <a:r>
               <a:rPr lang="de-DE" dirty="0"/>
-              <a:t>nicht signifikant</a:t>
+              <a:t>signifikant</a:t>
             </a:r>
           </a:p>
         </p:txBody>
